--- a/presentations/Finance Consulter Pitch.pptx
+++ b/presentations/Finance Consulter Pitch.pptx
@@ -112,6 +112,11 @@
       </a:defRPr>
     </a:lvl9pPr>
   </p:defaultTextStyle>
+  <p:extLst>
+    <p:ext uri="{EFAFB233-063F-42B5-8137-9DF3F51BA10A}">
+      <p15:sldGuideLst xmlns:p15="http://schemas.microsoft.com/office/powerpoint/2012/main"/>
+    </p:ext>
+  </p:extLst>
 </p:presentation>
 </file>
 
@@ -616,6 +621,155 @@
     <p:extLst>
       <p:ext uri="{BB962C8B-B14F-4D97-AF65-F5344CB8AC3E}">
         <p14:creationId xmlns:p14="http://schemas.microsoft.com/office/powerpoint/2010/main" val="2937556248"/>
+      </p:ext>
+    </p:extLst>
+  </p:cSld>
+  <p:clrMapOvr>
+    <a:masterClrMapping/>
+  </p:clrMapOvr>
+</p:notes>
+</file>
+
+<file path=ppt/notesSlides/notesSlide2.xml><?xml version="1.0" encoding="utf-8"?>
+<p:notes xmlns:a="http://schemas.openxmlformats.org/drawingml/2006/main" xmlns:r="http://schemas.openxmlformats.org/officeDocument/2006/relationships" xmlns:p="http://schemas.openxmlformats.org/presentationml/2006/main">
+  <p:cSld>
+    <p:spTree>
+      <p:nvGrpSpPr>
+        <p:cNvPr id="1" name=""/>
+        <p:cNvGrpSpPr/>
+        <p:nvPr/>
+      </p:nvGrpSpPr>
+      <p:grpSpPr>
+        <a:xfrm>
+          <a:off x="0" y="0"/>
+          <a:ext cx="0" cy="0"/>
+          <a:chOff x="0" y="0"/>
+          <a:chExt cx="0" cy="0"/>
+        </a:xfrm>
+      </p:grpSpPr>
+      <p:sp>
+        <p:nvSpPr>
+          <p:cNvPr id="2" name="Folienbildplatzhalter 1"/>
+          <p:cNvSpPr>
+            <a:spLocks noGrp="1" noRot="1" noChangeAspect="1"/>
+          </p:cNvSpPr>
+          <p:nvPr>
+            <p:ph type="sldImg"/>
+          </p:nvPr>
+        </p:nvSpPr>
+        <p:spPr/>
+      </p:sp>
+      <p:sp>
+        <p:nvSpPr>
+          <p:cNvPr id="3" name="Notizenplatzhalter 2"/>
+          <p:cNvSpPr>
+            <a:spLocks noGrp="1"/>
+          </p:cNvSpPr>
+          <p:nvPr>
+            <p:ph type="body" idx="1"/>
+          </p:nvPr>
+        </p:nvSpPr>
+        <p:spPr/>
+        <p:txBody>
+          <a:bodyPr/>
+          <a:lstStyle/>
+          <a:p>
+            <a:r>
+              <a:rPr lang="de-DE" sz="1200" b="0" i="0" kern="1200" dirty="0">
+                <a:solidFill>
+                  <a:schemeClr val="tx1"/>
+                </a:solidFill>
+                <a:effectLst/>
+                <a:latin typeface="+mn-lt"/>
+                <a:ea typeface="+mn-ea"/>
+                <a:cs typeface="+mn-cs"/>
+              </a:rPr>
+              <a:t>Python: Macht die Logik und Datenverarbeitung.</a:t>
+            </a:r>
+          </a:p>
+          <a:p>
+            <a:r>
+              <a:rPr lang="de-DE" sz="1200" b="0" i="0" kern="1200" dirty="0" err="1">
+                <a:solidFill>
+                  <a:schemeClr val="tx1"/>
+                </a:solidFill>
+                <a:effectLst/>
+                <a:latin typeface="+mn-lt"/>
+                <a:ea typeface="+mn-ea"/>
+                <a:cs typeface="+mn-cs"/>
+              </a:rPr>
+              <a:t>FastAPI</a:t>
+            </a:r>
+            <a:r>
+              <a:rPr lang="de-DE" sz="1200" b="0" i="0" kern="1200" dirty="0">
+                <a:solidFill>
+                  <a:schemeClr val="tx1"/>
+                </a:solidFill>
+                <a:effectLst/>
+                <a:latin typeface="+mn-lt"/>
+                <a:ea typeface="+mn-ea"/>
+                <a:cs typeface="+mn-cs"/>
+              </a:rPr>
+              <a:t>: Stellt die schnelle API bereit.</a:t>
+            </a:r>
+          </a:p>
+          <a:p>
+            <a:r>
+              <a:rPr lang="de-DE" sz="1200" b="0" i="0" kern="1200" dirty="0">
+                <a:solidFill>
+                  <a:schemeClr val="tx1"/>
+                </a:solidFill>
+                <a:effectLst/>
+                <a:latin typeface="+mn-lt"/>
+                <a:ea typeface="+mn-ea"/>
+                <a:cs typeface="+mn-cs"/>
+              </a:rPr>
+              <a:t>SQLite: Kleine, lokale Datei-Datenbank fürs MVP.</a:t>
+            </a:r>
+          </a:p>
+          <a:p>
+            <a:r>
+              <a:rPr lang="de-DE" sz="1200" b="0" i="0" kern="1200">
+                <a:solidFill>
+                  <a:schemeClr val="tx1"/>
+                </a:solidFill>
+                <a:effectLst/>
+                <a:latin typeface="+mn-lt"/>
+                <a:ea typeface="+mn-ea"/>
+                <a:cs typeface="+mn-cs"/>
+              </a:rPr>
+              <a:t>React: Baut die interaktive Web‑Oberfläche.</a:t>
+            </a:r>
+          </a:p>
+        </p:txBody>
+      </p:sp>
+      <p:sp>
+        <p:nvSpPr>
+          <p:cNvPr id="4" name="Foliennummernplatzhalter 3"/>
+          <p:cNvSpPr>
+            <a:spLocks noGrp="1"/>
+          </p:cNvSpPr>
+          <p:nvPr>
+            <p:ph type="sldNum" sz="quarter" idx="5"/>
+          </p:nvPr>
+        </p:nvSpPr>
+        <p:spPr/>
+        <p:txBody>
+          <a:bodyPr/>
+          <a:lstStyle/>
+          <a:p>
+            <a:fld id="{6F2CB470-CD45-4636-8583-98AD6AC0651B}" type="slidenum">
+              <a:rPr lang="de-CH" smtClean="0"/>
+              <a:t>5</a:t>
+            </a:fld>
+            <a:endParaRPr lang="de-CH"/>
+          </a:p>
+        </p:txBody>
+      </p:sp>
+    </p:spTree>
+    <p:extLst>
+      <p:ext uri="{BB962C8B-B14F-4D97-AF65-F5344CB8AC3E}">
+        <p14:creationId xmlns:p14="http://schemas.microsoft.com/office/powerpoint/2010/main" val="843900474"/>
       </p:ext>
     </p:extLst>
   </p:cSld>

--- a/presentations/Finance Consulter Pitch.pptx
+++ b/presentations/Finance Consulter Pitch.pptx
@@ -5,7 +5,7 @@
     <p:sldMasterId id="2147483686" r:id="rId1"/>
   </p:sldMasterIdLst>
   <p:notesMasterIdLst>
-    <p:notesMasterId r:id="rId8"/>
+    <p:notesMasterId r:id="rId10"/>
   </p:notesMasterIdLst>
   <p:sldIdLst>
     <p:sldId id="256" r:id="rId2"/>
@@ -13,7 +13,9 @@
     <p:sldId id="258" r:id="rId4"/>
     <p:sldId id="259" r:id="rId5"/>
     <p:sldId id="260" r:id="rId6"/>
-    <p:sldId id="261" r:id="rId7"/>
+    <p:sldId id="262" r:id="rId7"/>
+    <p:sldId id="263" r:id="rId8"/>
+    <p:sldId id="261" r:id="rId9"/>
   </p:sldIdLst>
   <p:sldSz cx="12192000" cy="6858000"/>
   <p:notesSz cx="6858000" cy="9144000"/>
@@ -202,7 +204,7 @@
           <a:p>
             <a:fld id="{2245179B-052C-4C86-B3C2-EDB8C1481271}" type="datetimeFigureOut">
               <a:rPr lang="de-CH" smtClean="0"/>
-              <a:t>06.10.2025</a:t>
+              <a:t>10.12.2025</a:t>
             </a:fld>
             <a:endParaRPr lang="de-CH"/>
           </a:p>
@@ -935,7 +937,7 @@
           <a:p>
             <a:fld id="{6444479B-705B-4489-957E-7E8A228BDFA0}" type="datetime1">
               <a:rPr lang="en-US" smtClean="0"/>
-              <a:t>10/6/2025</a:t>
+              <a:t>12/10/2025</a:t>
             </a:fld>
             <a:endParaRPr lang="en-US"/>
           </a:p>
@@ -1135,7 +1137,7 @@
           <a:p>
             <a:fld id="{C07B66AD-7C08-490A-ADA4-B47E10FB2407}" type="datetime1">
               <a:rPr lang="en-US" smtClean="0"/>
-              <a:t>10/6/2025</a:t>
+              <a:t>12/10/2025</a:t>
             </a:fld>
             <a:endParaRPr lang="en-US"/>
           </a:p>
@@ -1394,7 +1396,7 @@
           <a:p>
             <a:fld id="{05B95027-4255-49E7-9841-CD21BCC99996}" type="datetime1">
               <a:rPr lang="en-US" smtClean="0"/>
-              <a:t>10/6/2025</a:t>
+              <a:t>12/10/2025</a:t>
             </a:fld>
             <a:endParaRPr lang="en-US"/>
           </a:p>
@@ -1635,7 +1637,7 @@
           <a:p>
             <a:fld id="{9F89F774-3FA6-43B8-9241-99959C8FD463}" type="datetime1">
               <a:rPr lang="en-US" smtClean="0"/>
-              <a:t>10/6/2025</a:t>
+              <a:t>12/10/2025</a:t>
             </a:fld>
             <a:endParaRPr lang="en-US"/>
           </a:p>
@@ -1962,7 +1964,7 @@
           <a:p>
             <a:fld id="{F9504452-5DCC-4FE2-A5C9-8A5EF6714D65}" type="datetime1">
               <a:rPr lang="en-US" smtClean="0"/>
-              <a:t>10/6/2025</a:t>
+              <a:t>12/10/2025</a:t>
             </a:fld>
             <a:endParaRPr lang="en-US"/>
           </a:p>
@@ -2272,7 +2274,7 @@
           <a:p>
             <a:fld id="{E579ABC2-0180-4F3A-A895-A85BC724D472}" type="datetime1">
               <a:rPr lang="en-US" smtClean="0"/>
-              <a:t>10/6/2025</a:t>
+              <a:t>12/10/2025</a:t>
             </a:fld>
             <a:endParaRPr lang="en-US"/>
           </a:p>
@@ -2690,7 +2692,7 @@
           <a:p>
             <a:fld id="{6AEEA9BA-4E8F-439E-BEA4-91FBA01E3F5F}" type="datetime1">
               <a:rPr lang="en-US" smtClean="0"/>
-              <a:t>10/6/2025</a:t>
+              <a:t>12/10/2025</a:t>
             </a:fld>
             <a:endParaRPr lang="en-US"/>
           </a:p>
@@ -2832,7 +2834,7 @@
           <a:p>
             <a:fld id="{BE15BF18-0007-481C-AA29-413124BC3EE7}" type="datetime1">
               <a:rPr lang="en-US" smtClean="0"/>
-              <a:t>10/6/2025</a:t>
+              <a:t>12/10/2025</a:t>
             </a:fld>
             <a:endParaRPr lang="en-US"/>
           </a:p>
@@ -2994,7 +2996,7 @@
           <a:p>
             <a:fld id="{09BE9870-3748-43AD-B547-02A075CB4A1D}" type="datetime1">
               <a:rPr lang="en-US" smtClean="0"/>
-              <a:t>10/6/2025</a:t>
+              <a:t>12/10/2025</a:t>
             </a:fld>
             <a:endParaRPr lang="en-US"/>
           </a:p>
@@ -3311,7 +3313,7 @@
           <a:p>
             <a:fld id="{558E7897-33C5-4F1A-9307-D068E37F3DC7}" type="datetime1">
               <a:rPr lang="en-US" smtClean="0"/>
-              <a:t>10/6/2025</a:t>
+              <a:t>12/10/2025</a:t>
             </a:fld>
             <a:endParaRPr lang="en-US"/>
           </a:p>
@@ -3606,7 +3608,7 @@
           <a:p>
             <a:fld id="{82E171BA-CC09-47C8-A6DF-F5C5CB59CEEC}" type="datetime1">
               <a:rPr lang="en-US" smtClean="0"/>
-              <a:t>10/6/2025</a:t>
+              <a:t>12/10/2025</a:t>
             </a:fld>
             <a:endParaRPr lang="en-US"/>
           </a:p>
@@ -3847,7 +3849,7 @@
           <a:p>
             <a:fld id="{7DA38F49-B3E2-4BF0-BEC7-C30D34ABBB8D}" type="datetime1">
               <a:rPr lang="en-US" smtClean="0"/>
-              <a:t>10/6/2025</a:t>
+              <a:t>12/10/2025</a:t>
             </a:fld>
             <a:endParaRPr lang="en-US"/>
           </a:p>
@@ -5099,6 +5101,318 @@
 </file>
 
 <file path=ppt/slides/slide6.xml><?xml version="1.0" encoding="utf-8"?>
+<p:sld xmlns:a="http://schemas.openxmlformats.org/drawingml/2006/main" xmlns:r="http://schemas.openxmlformats.org/officeDocument/2006/relationships" xmlns:p="http://schemas.openxmlformats.org/presentationml/2006/main">
+  <p:cSld>
+    <p:spTree>
+      <p:nvGrpSpPr>
+        <p:cNvPr id="1" name=""/>
+        <p:cNvGrpSpPr/>
+        <p:nvPr/>
+      </p:nvGrpSpPr>
+      <p:grpSpPr>
+        <a:xfrm>
+          <a:off x="0" y="0"/>
+          <a:ext cx="0" cy="0"/>
+          <a:chOff x="0" y="0"/>
+          <a:chExt cx="0" cy="0"/>
+        </a:xfrm>
+      </p:grpSpPr>
+      <p:sp>
+        <p:nvSpPr>
+          <p:cNvPr id="2" name="Titel 1">
+            <a:extLst>
+              <a:ext uri="{FF2B5EF4-FFF2-40B4-BE49-F238E27FC236}">
+                <a16:creationId xmlns:a16="http://schemas.microsoft.com/office/drawing/2014/main" id="{95D7ECBD-5CA9-79AE-EF7C-03138818A9FF}"/>
+              </a:ext>
+            </a:extLst>
+          </p:cNvPr>
+          <p:cNvSpPr>
+            <a:spLocks noGrp="1"/>
+          </p:cNvSpPr>
+          <p:nvPr>
+            <p:ph type="title"/>
+          </p:nvPr>
+        </p:nvSpPr>
+        <p:spPr/>
+        <p:txBody>
+          <a:bodyPr/>
+          <a:lstStyle/>
+          <a:p>
+            <a:r>
+              <a:rPr lang="de-CH" dirty="0"/>
+              <a:t>Schwierigkeiten</a:t>
+            </a:r>
+          </a:p>
+        </p:txBody>
+      </p:sp>
+      <p:sp>
+        <p:nvSpPr>
+          <p:cNvPr id="3" name="Inhaltsplatzhalter 2">
+            <a:extLst>
+              <a:ext uri="{FF2B5EF4-FFF2-40B4-BE49-F238E27FC236}">
+                <a16:creationId xmlns:a16="http://schemas.microsoft.com/office/drawing/2014/main" id="{E5CAB0FB-437A-D285-705A-50E8DE2BEF02}"/>
+              </a:ext>
+            </a:extLst>
+          </p:cNvPr>
+          <p:cNvSpPr>
+            <a:spLocks noGrp="1"/>
+          </p:cNvSpPr>
+          <p:nvPr>
+            <p:ph idx="1"/>
+          </p:nvPr>
+        </p:nvSpPr>
+        <p:spPr/>
+        <p:txBody>
+          <a:bodyPr/>
+          <a:lstStyle/>
+          <a:p>
+            <a:r>
+              <a:rPr lang="de-CH" dirty="0"/>
+              <a:t>Prompt Absetzen welches </a:t>
+            </a:r>
+            <a:r>
+              <a:rPr lang="de-CH" dirty="0" err="1"/>
+              <a:t>modell</a:t>
+            </a:r>
+            <a:r>
+              <a:rPr lang="de-CH" dirty="0"/>
+              <a:t> und wo?</a:t>
+            </a:r>
+          </a:p>
+          <a:p>
+            <a:r>
+              <a:rPr lang="de-CH" dirty="0"/>
+              <a:t>Modell Training -&gt; Donut und </a:t>
+            </a:r>
+            <a:r>
+              <a:rPr lang="de-CH" dirty="0" err="1"/>
+              <a:t>finetuned</a:t>
+            </a:r>
+            <a:r>
+              <a:rPr lang="de-CH" dirty="0"/>
+              <a:t> Donut gibt absoluten </a:t>
+            </a:r>
+            <a:r>
+              <a:rPr lang="de-CH" dirty="0" err="1"/>
+              <a:t>Chabissalat</a:t>
+            </a:r>
+            <a:r>
+              <a:rPr lang="de-CH" dirty="0"/>
+              <a:t> aus nach Training</a:t>
+            </a:r>
+          </a:p>
+          <a:p>
+            <a:r>
+              <a:rPr lang="de-CH" dirty="0"/>
+              <a:t>Neue Technologien -&gt; React, SQL </a:t>
+            </a:r>
+            <a:r>
+              <a:rPr lang="de-CH" dirty="0" err="1"/>
+              <a:t>Alchemy</a:t>
+            </a:r>
+            <a:r>
+              <a:rPr lang="de-CH" dirty="0"/>
+              <a:t>, Fast API</a:t>
+            </a:r>
+          </a:p>
+          <a:p>
+            <a:r>
+              <a:rPr lang="de-CH" dirty="0"/>
+              <a:t>Kleines Team für viel Umfang -&gt; grosser </a:t>
+            </a:r>
+            <a:r>
+              <a:rPr lang="de-CH" dirty="0" err="1"/>
+              <a:t>load</a:t>
+            </a:r>
+            <a:r>
+              <a:rPr lang="de-CH" dirty="0"/>
+              <a:t> für einen selbst</a:t>
+            </a:r>
+          </a:p>
+          <a:p>
+            <a:endParaRPr lang="de-CH" dirty="0"/>
+          </a:p>
+          <a:p>
+            <a:endParaRPr lang="de-CH" dirty="0"/>
+          </a:p>
+        </p:txBody>
+      </p:sp>
+    </p:spTree>
+    <p:extLst>
+      <p:ext uri="{BB962C8B-B14F-4D97-AF65-F5344CB8AC3E}">
+        <p14:creationId xmlns:p14="http://schemas.microsoft.com/office/powerpoint/2010/main" val="1988960918"/>
+      </p:ext>
+    </p:extLst>
+  </p:cSld>
+  <p:clrMapOvr>
+    <a:masterClrMapping/>
+  </p:clrMapOvr>
+</p:sld>
+</file>
+
+<file path=ppt/slides/slide7.xml><?xml version="1.0" encoding="utf-8"?>
+<p:sld xmlns:a="http://schemas.openxmlformats.org/drawingml/2006/main" xmlns:r="http://schemas.openxmlformats.org/officeDocument/2006/relationships" xmlns:p="http://schemas.openxmlformats.org/presentationml/2006/main">
+  <p:cSld>
+    <p:spTree>
+      <p:nvGrpSpPr>
+        <p:cNvPr id="1" name=""/>
+        <p:cNvGrpSpPr/>
+        <p:nvPr/>
+      </p:nvGrpSpPr>
+      <p:grpSpPr>
+        <a:xfrm>
+          <a:off x="0" y="0"/>
+          <a:ext cx="0" cy="0"/>
+          <a:chOff x="0" y="0"/>
+          <a:chExt cx="0" cy="0"/>
+        </a:xfrm>
+      </p:grpSpPr>
+      <p:sp>
+        <p:nvSpPr>
+          <p:cNvPr id="2" name="Titel 1">
+            <a:extLst>
+              <a:ext uri="{FF2B5EF4-FFF2-40B4-BE49-F238E27FC236}">
+                <a16:creationId xmlns:a16="http://schemas.microsoft.com/office/drawing/2014/main" id="{0A7BC723-42D1-BA15-B6CF-FD23F9675869}"/>
+              </a:ext>
+            </a:extLst>
+          </p:cNvPr>
+          <p:cNvSpPr>
+            <a:spLocks noGrp="1"/>
+          </p:cNvSpPr>
+          <p:nvPr>
+            <p:ph type="title"/>
+          </p:nvPr>
+        </p:nvSpPr>
+        <p:spPr/>
+        <p:txBody>
+          <a:bodyPr/>
+          <a:lstStyle/>
+          <a:p>
+            <a:r>
+              <a:rPr lang="de-CH" dirty="0"/>
+              <a:t>Lösungen</a:t>
+            </a:r>
+          </a:p>
+        </p:txBody>
+      </p:sp>
+      <p:sp>
+        <p:nvSpPr>
+          <p:cNvPr id="3" name="Inhaltsplatzhalter 2">
+            <a:extLst>
+              <a:ext uri="{FF2B5EF4-FFF2-40B4-BE49-F238E27FC236}">
+                <a16:creationId xmlns:a16="http://schemas.microsoft.com/office/drawing/2014/main" id="{4BE24E8C-EB84-96CE-1899-E86415FB2175}"/>
+              </a:ext>
+            </a:extLst>
+          </p:cNvPr>
+          <p:cNvSpPr>
+            <a:spLocks noGrp="1"/>
+          </p:cNvSpPr>
+          <p:nvPr>
+            <p:ph idx="1"/>
+          </p:nvPr>
+        </p:nvSpPr>
+        <p:spPr/>
+        <p:txBody>
+          <a:bodyPr/>
+          <a:lstStyle/>
+          <a:p>
+            <a:r>
+              <a:rPr lang="de-CH" dirty="0"/>
+              <a:t>Nutzen von Gemini Flash 2.0 über </a:t>
+            </a:r>
+            <a:r>
+              <a:rPr lang="de-CH" dirty="0" err="1"/>
+              <a:t>google</a:t>
+            </a:r>
+            <a:r>
+              <a:rPr lang="de-CH" dirty="0"/>
+              <a:t> ai </a:t>
+            </a:r>
+            <a:r>
+              <a:rPr lang="de-CH" dirty="0" err="1"/>
+              <a:t>studio</a:t>
+            </a:r>
+            <a:r>
+              <a:rPr lang="de-CH" dirty="0"/>
+              <a:t> mit API Key (gratis)</a:t>
+            </a:r>
+          </a:p>
+          <a:p>
+            <a:r>
+              <a:rPr lang="de-CH" dirty="0"/>
+              <a:t>Eventuell </a:t>
+            </a:r>
+            <a:r>
+              <a:rPr lang="de-CH" dirty="0" err="1"/>
+              <a:t>Finetunedmodell</a:t>
+            </a:r>
+            <a:r>
+              <a:rPr lang="de-CH" dirty="0"/>
+              <a:t> nutzen und </a:t>
+            </a:r>
+            <a:r>
+              <a:rPr lang="de-CH" dirty="0" err="1"/>
+              <a:t>ummappen</a:t>
+            </a:r>
+            <a:r>
+              <a:rPr lang="de-CH" dirty="0"/>
+              <a:t> von daten, jedoch ist </a:t>
+            </a:r>
+            <a:r>
+              <a:rPr lang="de-CH" dirty="0" err="1"/>
+              <a:t>finetuned</a:t>
+            </a:r>
+            <a:r>
+              <a:rPr lang="de-CH" dirty="0"/>
+              <a:t> </a:t>
+            </a:r>
+            <a:r>
+              <a:rPr lang="de-CH" dirty="0" err="1"/>
+              <a:t>modell</a:t>
+            </a:r>
+            <a:r>
+              <a:rPr lang="de-CH" dirty="0"/>
+              <a:t> auch nicht 100% zuverlässig</a:t>
+            </a:r>
+          </a:p>
+          <a:p>
+            <a:r>
+              <a:rPr lang="de-CH" dirty="0"/>
+              <a:t>Neue Technologien -&gt; gelernt mit Onlinekursen und Gemini/Claude Learning </a:t>
+            </a:r>
+            <a:r>
+              <a:rPr lang="de-CH" dirty="0" err="1"/>
+              <a:t>function</a:t>
+            </a:r>
+            <a:endParaRPr lang="de-CH" dirty="0"/>
+          </a:p>
+          <a:p>
+            <a:r>
+              <a:rPr lang="de-CH" dirty="0"/>
+              <a:t>Klare Aufteilung </a:t>
+            </a:r>
+            <a:r>
+              <a:rPr lang="de-CH"/>
+              <a:t>usw</a:t>
+            </a:r>
+            <a:endParaRPr lang="de-CH" dirty="0"/>
+          </a:p>
+        </p:txBody>
+      </p:sp>
+    </p:spTree>
+    <p:extLst>
+      <p:ext uri="{BB962C8B-B14F-4D97-AF65-F5344CB8AC3E}">
+        <p14:creationId xmlns:p14="http://schemas.microsoft.com/office/powerpoint/2010/main" val="424063850"/>
+      </p:ext>
+    </p:extLst>
+  </p:cSld>
+  <p:clrMapOvr>
+    <a:masterClrMapping/>
+  </p:clrMapOvr>
+</p:sld>
+</file>
+
+<file path=ppt/slides/slide8.xml><?xml version="1.0" encoding="utf-8"?>
 <p:sld xmlns:a="http://schemas.openxmlformats.org/drawingml/2006/main" xmlns:r="http://schemas.openxmlformats.org/officeDocument/2006/relationships" xmlns:p="http://schemas.openxmlformats.org/presentationml/2006/main">
   <p:cSld>
     <p:bg>
